--- a/追加.pptx
+++ b/追加.pptx
@@ -211,7 +211,7 @@
           <a:p>
             <a:fld id="{0F9B84EA-7D68-4D60-9CB1-D50884785D1C}" type="datetimeFigureOut">
               <a:rPr lang="zh-CN" altLang="en-US" smtClean="0"/>
-              <a:t>2024/3/11</a:t>
+              <a:t>2024/3/13</a:t>
             </a:fld>
             <a:endParaRPr lang="zh-CN" altLang="en-US"/>
           </a:p>
@@ -376,7 +376,7 @@
           <a:p>
             <a:fld id="{D6C8D182-E4C8-4120-9249-FC9774456FFA}" type="datetimeFigureOut">
               <a:rPr lang="zh-CN" altLang="en-US" smtClean="0"/>
-              <a:t>2024/3/11</a:t>
+              <a:t>2024/3/13</a:t>
             </a:fld>
             <a:endParaRPr lang="zh-CN" altLang="en-US"/>
           </a:p>
@@ -718,7 +718,7 @@
           <a:p>
             <a:fld id="{760FBDFE-C587-4B4C-A407-44438C67B59E}" type="datetimeFigureOut">
               <a:rPr lang="zh-CN" altLang="en-US" smtClean="0"/>
-              <a:t>2024/3/11</a:t>
+              <a:t>2024/3/13</a:t>
             </a:fld>
             <a:endParaRPr lang="zh-CN" altLang="en-US"/>
           </a:p>
@@ -884,7 +884,7 @@
           <a:p>
             <a:fld id="{760FBDFE-C587-4B4C-A407-44438C67B59E}" type="datetimeFigureOut">
               <a:rPr lang="zh-CN" altLang="en-US" smtClean="0"/>
-              <a:t>2024/3/11</a:t>
+              <a:t>2024/3/13</a:t>
             </a:fld>
             <a:endParaRPr lang="zh-CN" altLang="en-US"/>
           </a:p>
@@ -1184,7 +1184,7 @@
           <a:p>
             <a:fld id="{760FBDFE-C587-4B4C-A407-44438C67B59E}" type="datetimeFigureOut">
               <a:rPr lang="zh-CN" altLang="en-US" smtClean="0"/>
-              <a:t>2024/3/11</a:t>
+              <a:t>2024/3/13</a:t>
             </a:fld>
             <a:endParaRPr lang="zh-CN" altLang="en-US"/>
           </a:p>
@@ -1436,7 +1436,7 @@
           <a:p>
             <a:fld id="{760FBDFE-C587-4B4C-A407-44438C67B59E}" type="datetimeFigureOut">
               <a:rPr lang="zh-CN" altLang="en-US" smtClean="0"/>
-              <a:t>2024/3/11</a:t>
+              <a:t>2024/3/13</a:t>
             </a:fld>
             <a:endParaRPr lang="zh-CN" altLang="en-US"/>
           </a:p>
@@ -1819,7 +1819,7 @@
           <a:p>
             <a:fld id="{760FBDFE-C587-4B4C-A407-44438C67B59E}" type="datetimeFigureOut">
               <a:rPr lang="zh-CN" altLang="en-US" smtClean="0"/>
-              <a:t>2024/3/11</a:t>
+              <a:t>2024/3/13</a:t>
             </a:fld>
             <a:endParaRPr lang="zh-CN" altLang="en-US"/>
           </a:p>
@@ -2186,7 +2186,7 @@
           <a:p>
             <a:fld id="{760FBDFE-C587-4B4C-A407-44438C67B59E}" type="datetimeFigureOut">
               <a:rPr lang="zh-CN" altLang="en-US" smtClean="0"/>
-              <a:t>2024/3/11</a:t>
+              <a:t>2024/3/13</a:t>
             </a:fld>
             <a:endParaRPr lang="zh-CN" altLang="en-US"/>
           </a:p>
@@ -2317,7 +2317,7 @@
           <a:p>
             <a:fld id="{760FBDFE-C587-4B4C-A407-44438C67B59E}" type="datetimeFigureOut">
               <a:rPr lang="zh-CN" altLang="en-US" smtClean="0"/>
-              <a:t>2024/3/11</a:t>
+              <a:t>2024/3/13</a:t>
             </a:fld>
             <a:endParaRPr lang="zh-CN" altLang="en-US"/>
           </a:p>
@@ -2407,7 +2407,7 @@
           <a:p>
             <a:fld id="{760FBDFE-C587-4B4C-A407-44438C67B59E}" type="datetimeFigureOut">
               <a:rPr lang="zh-CN" altLang="en-US" smtClean="0"/>
-              <a:t>2024/3/11</a:t>
+              <a:t>2024/3/13</a:t>
             </a:fld>
             <a:endParaRPr lang="zh-CN" altLang="en-US"/>
           </a:p>
@@ -2671,7 +2671,7 @@
           <a:p>
             <a:fld id="{9EFD9D74-47D9-4702-A33C-335B63B48DBF}" type="datetimeFigureOut">
               <a:rPr lang="zh-CN" altLang="en-US" smtClean="0"/>
-              <a:t>2024/3/11</a:t>
+              <a:t>2024/3/13</a:t>
             </a:fld>
             <a:endParaRPr lang="zh-CN" altLang="en-US" dirty="0"/>
           </a:p>
@@ -2882,7 +2882,7 @@
           <a:p>
             <a:fld id="{760FBDFE-C587-4B4C-A407-44438C67B59E}" type="datetimeFigureOut">
               <a:rPr lang="zh-CN" altLang="en-US" smtClean="0"/>
-              <a:t>2024/3/11</a:t>
+              <a:t>2024/3/13</a:t>
             </a:fld>
             <a:endParaRPr lang="zh-CN" altLang="en-US"/>
           </a:p>
@@ -3095,7 +3095,7 @@
           <a:p>
             <a:fld id="{760FBDFE-C587-4B4C-A407-44438C67B59E}" type="datetimeFigureOut">
               <a:rPr lang="zh-CN" altLang="en-US" smtClean="0"/>
-              <a:t>2024/3/11</a:t>
+              <a:t>2024/3/13</a:t>
             </a:fld>
             <a:endParaRPr lang="zh-CN" altLang="en-US"/>
           </a:p>
@@ -3500,10 +3500,10 @@
       </p:grpSpPr>
       <p:pic>
         <p:nvPicPr>
-          <p:cNvPr id="4" name="図 3">
+          <p:cNvPr id="2" name="図 1">
             <a:extLst>
               <a:ext uri="{FF2B5EF4-FFF2-40B4-BE49-F238E27FC236}">
-                <a16:creationId xmlns:a16="http://schemas.microsoft.com/office/drawing/2014/main" id="{B29E171C-F85A-BF9A-2D70-D8FF79871FB8}"/>
+                <a16:creationId xmlns:a16="http://schemas.microsoft.com/office/drawing/2014/main" id="{1541DF5C-1DA8-1986-2AD9-0E438E0EEF05}"/>
               </a:ext>
             </a:extLst>
           </p:cNvPr>
@@ -3520,38 +3520,8 @@
         </p:blipFill>
         <p:spPr>
           <a:xfrm>
-            <a:off x="304800" y="1130530"/>
-            <a:ext cx="5425846" cy="5095702"/>
-          </a:xfrm>
-          <a:prstGeom prst="rect">
-            <a:avLst/>
-          </a:prstGeom>
-        </p:spPr>
-      </p:pic>
-      <p:pic>
-        <p:nvPicPr>
-          <p:cNvPr id="5" name="図 4">
-            <a:extLst>
-              <a:ext uri="{FF2B5EF4-FFF2-40B4-BE49-F238E27FC236}">
-                <a16:creationId xmlns:a16="http://schemas.microsoft.com/office/drawing/2014/main" id="{DDDF7055-D9B4-3DF1-46EB-D3F3B739B383}"/>
-              </a:ext>
-            </a:extLst>
-          </p:cNvPr>
-          <p:cNvPicPr>
-            <a:picLocks noChangeAspect="1"/>
-          </p:cNvPicPr>
-          <p:nvPr/>
-        </p:nvPicPr>
-        <p:blipFill>
-          <a:blip r:embed="rId3"/>
-          <a:stretch>
-            <a:fillRect/>
-          </a:stretch>
-        </p:blipFill>
-        <p:spPr>
-          <a:xfrm>
-            <a:off x="5901226" y="1571106"/>
-            <a:ext cx="6002600" cy="4117996"/>
+            <a:off x="1772478" y="340652"/>
+            <a:ext cx="8229916" cy="6176696"/>
           </a:xfrm>
           <a:prstGeom prst="rect">
             <a:avLst/>

--- a/追加.pptx
+++ b/追加.pptx
@@ -5,13 +5,14 @@
     <p:sldMasterId id="2147483648" r:id="rId1"/>
   </p:sldMasterIdLst>
   <p:notesMasterIdLst>
-    <p:notesMasterId r:id="rId3"/>
+    <p:notesMasterId r:id="rId4"/>
   </p:notesMasterIdLst>
   <p:handoutMasterIdLst>
-    <p:handoutMasterId r:id="rId4"/>
+    <p:handoutMasterId r:id="rId5"/>
   </p:handoutMasterIdLst>
   <p:sldIdLst>
     <p:sldId id="615" r:id="rId2"/>
+    <p:sldId id="616" r:id="rId3"/>
   </p:sldIdLst>
   <p:sldSz cx="12192000" cy="6858000"/>
   <p:notesSz cx="7104063" cy="10234613"/>
@@ -3532,6 +3533,126 @@
     <p:extLst>
       <p:ext uri="{BB962C8B-B14F-4D97-AF65-F5344CB8AC3E}">
         <p14:creationId xmlns:p14="http://schemas.microsoft.com/office/powerpoint/2010/main" val="1198755643"/>
+      </p:ext>
+    </p:extLst>
+  </p:cSld>
+  <p:clrMapOvr>
+    <a:masterClrMapping/>
+  </p:clrMapOvr>
+</p:sld>
+</file>
+
+<file path=ppt/slides/slide2.xml><?xml version="1.0" encoding="utf-8"?>
+<p:sld xmlns:a="http://schemas.openxmlformats.org/drawingml/2006/main" xmlns:r="http://schemas.openxmlformats.org/officeDocument/2006/relationships" xmlns:p="http://schemas.openxmlformats.org/presentationml/2006/main">
+  <p:cSld>
+    <p:spTree>
+      <p:nvGrpSpPr>
+        <p:cNvPr id="1" name=""/>
+        <p:cNvGrpSpPr/>
+        <p:nvPr/>
+      </p:nvGrpSpPr>
+      <p:grpSpPr>
+        <a:xfrm>
+          <a:off x="0" y="0"/>
+          <a:ext cx="0" cy="0"/>
+          <a:chOff x="0" y="0"/>
+          <a:chExt cx="0" cy="0"/>
+        </a:xfrm>
+      </p:grpSpPr>
+      <p:pic>
+        <p:nvPicPr>
+          <p:cNvPr id="4" name="図 3">
+            <a:extLst>
+              <a:ext uri="{FF2B5EF4-FFF2-40B4-BE49-F238E27FC236}">
+                <a16:creationId xmlns:a16="http://schemas.microsoft.com/office/drawing/2014/main" id="{DBF1B879-0377-2185-EC2C-DAB55260A33A}"/>
+              </a:ext>
+            </a:extLst>
+          </p:cNvPr>
+          <p:cNvPicPr>
+            <a:picLocks noChangeAspect="1"/>
+          </p:cNvPicPr>
+          <p:nvPr/>
+        </p:nvPicPr>
+        <p:blipFill>
+          <a:blip r:embed="rId2"/>
+          <a:stretch>
+            <a:fillRect/>
+          </a:stretch>
+        </p:blipFill>
+        <p:spPr>
+          <a:xfrm>
+            <a:off x="559905" y="239443"/>
+            <a:ext cx="3642139" cy="1489966"/>
+          </a:xfrm>
+          <a:prstGeom prst="rect">
+            <a:avLst/>
+          </a:prstGeom>
+        </p:spPr>
+      </p:pic>
+      <p:pic>
+        <p:nvPicPr>
+          <p:cNvPr id="6" name="図 5">
+            <a:extLst>
+              <a:ext uri="{FF2B5EF4-FFF2-40B4-BE49-F238E27FC236}">
+                <a16:creationId xmlns:a16="http://schemas.microsoft.com/office/drawing/2014/main" id="{E02AAF56-A61F-4187-97AA-D562BF54C567}"/>
+              </a:ext>
+            </a:extLst>
+          </p:cNvPr>
+          <p:cNvPicPr>
+            <a:picLocks noChangeAspect="1"/>
+          </p:cNvPicPr>
+          <p:nvPr/>
+        </p:nvPicPr>
+        <p:blipFill>
+          <a:blip r:embed="rId3"/>
+          <a:stretch>
+            <a:fillRect/>
+          </a:stretch>
+        </p:blipFill>
+        <p:spPr>
+          <a:xfrm>
+            <a:off x="443596" y="2047462"/>
+            <a:ext cx="5652404" cy="4230504"/>
+          </a:xfrm>
+          <a:prstGeom prst="rect">
+            <a:avLst/>
+          </a:prstGeom>
+        </p:spPr>
+      </p:pic>
+      <p:pic>
+        <p:nvPicPr>
+          <p:cNvPr id="7" name="図 6">
+            <a:extLst>
+              <a:ext uri="{FF2B5EF4-FFF2-40B4-BE49-F238E27FC236}">
+                <a16:creationId xmlns:a16="http://schemas.microsoft.com/office/drawing/2014/main" id="{7F6B0846-1D84-0E6A-E450-736A42ADF161}"/>
+              </a:ext>
+            </a:extLst>
+          </p:cNvPr>
+          <p:cNvPicPr>
+            <a:picLocks noChangeAspect="1"/>
+          </p:cNvPicPr>
+          <p:nvPr/>
+        </p:nvPicPr>
+        <p:blipFill>
+          <a:blip r:embed="rId4"/>
+          <a:stretch>
+            <a:fillRect/>
+          </a:stretch>
+        </p:blipFill>
+        <p:spPr>
+          <a:xfrm>
+            <a:off x="6440557" y="2047462"/>
+            <a:ext cx="5068956" cy="4252608"/>
+          </a:xfrm>
+          <a:prstGeom prst="rect">
+            <a:avLst/>
+          </a:prstGeom>
+        </p:spPr>
+      </p:pic>
+    </p:spTree>
+    <p:extLst>
+      <p:ext uri="{BB962C8B-B14F-4D97-AF65-F5344CB8AC3E}">
+        <p14:creationId xmlns:p14="http://schemas.microsoft.com/office/powerpoint/2010/main" val="3674778410"/>
       </p:ext>
     </p:extLst>
   </p:cSld>

--- a/追加.pptx
+++ b/追加.pptx
@@ -5,14 +5,16 @@
     <p:sldMasterId id="2147483648" r:id="rId1"/>
   </p:sldMasterIdLst>
   <p:notesMasterIdLst>
-    <p:notesMasterId r:id="rId4"/>
+    <p:notesMasterId r:id="rId6"/>
   </p:notesMasterIdLst>
   <p:handoutMasterIdLst>
-    <p:handoutMasterId r:id="rId5"/>
+    <p:handoutMasterId r:id="rId7"/>
   </p:handoutMasterIdLst>
   <p:sldIdLst>
     <p:sldId id="615" r:id="rId2"/>
     <p:sldId id="616" r:id="rId3"/>
+    <p:sldId id="528" r:id="rId4"/>
+    <p:sldId id="529" r:id="rId5"/>
   </p:sldIdLst>
   <p:sldSz cx="12192000" cy="6858000"/>
   <p:notesSz cx="7104063" cy="10234613"/>
@@ -3653,6 +3655,216 @@
     <p:extLst>
       <p:ext uri="{BB962C8B-B14F-4D97-AF65-F5344CB8AC3E}">
         <p14:creationId xmlns:p14="http://schemas.microsoft.com/office/powerpoint/2010/main" val="3674778410"/>
+      </p:ext>
+    </p:extLst>
+  </p:cSld>
+  <p:clrMapOvr>
+    <a:masterClrMapping/>
+  </p:clrMapOvr>
+</p:sld>
+</file>
+
+<file path=ppt/slides/slide3.xml><?xml version="1.0" encoding="utf-8"?>
+<p:sld xmlns:a="http://schemas.openxmlformats.org/drawingml/2006/main" xmlns:r="http://schemas.openxmlformats.org/officeDocument/2006/relationships" xmlns:p="http://schemas.openxmlformats.org/presentationml/2006/main">
+  <p:cSld>
+    <p:spTree>
+      <p:nvGrpSpPr>
+        <p:cNvPr id="1" name=""/>
+        <p:cNvGrpSpPr/>
+        <p:nvPr/>
+      </p:nvGrpSpPr>
+      <p:grpSpPr>
+        <a:xfrm>
+          <a:off x="0" y="0"/>
+          <a:ext cx="0" cy="0"/>
+          <a:chOff x="0" y="0"/>
+          <a:chExt cx="0" cy="0"/>
+        </a:xfrm>
+      </p:grpSpPr>
+      <p:pic>
+        <p:nvPicPr>
+          <p:cNvPr id="4" name="図 3">
+            <a:extLst>
+              <a:ext uri="{FF2B5EF4-FFF2-40B4-BE49-F238E27FC236}">
+                <a16:creationId xmlns:a16="http://schemas.microsoft.com/office/drawing/2014/main" id="{9B5652E4-F970-266F-B817-AFCDEAEB7DA6}"/>
+              </a:ext>
+            </a:extLst>
+          </p:cNvPr>
+          <p:cNvPicPr>
+            <a:picLocks noChangeAspect="1"/>
+          </p:cNvPicPr>
+          <p:nvPr/>
+        </p:nvPicPr>
+        <p:blipFill>
+          <a:blip r:embed="rId2"/>
+          <a:stretch>
+            <a:fillRect/>
+          </a:stretch>
+        </p:blipFill>
+        <p:spPr>
+          <a:xfrm>
+            <a:off x="400575" y="981541"/>
+            <a:ext cx="7690066" cy="4894918"/>
+          </a:xfrm>
+          <a:prstGeom prst="rect">
+            <a:avLst/>
+          </a:prstGeom>
+        </p:spPr>
+      </p:pic>
+      <p:pic>
+        <p:nvPicPr>
+          <p:cNvPr id="5" name="図 4">
+            <a:extLst>
+              <a:ext uri="{FF2B5EF4-FFF2-40B4-BE49-F238E27FC236}">
+                <a16:creationId xmlns:a16="http://schemas.microsoft.com/office/drawing/2014/main" id="{C1E07906-6F25-7CFB-5096-4367B4D73D15}"/>
+              </a:ext>
+            </a:extLst>
+          </p:cNvPr>
+          <p:cNvPicPr>
+            <a:picLocks noChangeAspect="1"/>
+          </p:cNvPicPr>
+          <p:nvPr/>
+        </p:nvPicPr>
+        <p:blipFill>
+          <a:blip r:embed="rId3"/>
+          <a:stretch>
+            <a:fillRect/>
+          </a:stretch>
+        </p:blipFill>
+        <p:spPr>
+          <a:xfrm>
+            <a:off x="5620275" y="326705"/>
+            <a:ext cx="5867400" cy="3302000"/>
+          </a:xfrm>
+          <a:prstGeom prst="rect">
+            <a:avLst/>
+          </a:prstGeom>
+        </p:spPr>
+      </p:pic>
+      <p:pic>
+        <p:nvPicPr>
+          <p:cNvPr id="6" name="図 5">
+            <a:extLst>
+              <a:ext uri="{FF2B5EF4-FFF2-40B4-BE49-F238E27FC236}">
+                <a16:creationId xmlns:a16="http://schemas.microsoft.com/office/drawing/2014/main" id="{C232A1C1-CA72-5BB3-5178-04672CF88A57}"/>
+              </a:ext>
+            </a:extLst>
+          </p:cNvPr>
+          <p:cNvPicPr>
+            <a:picLocks noChangeAspect="1"/>
+          </p:cNvPicPr>
+          <p:nvPr/>
+        </p:nvPicPr>
+        <p:blipFill>
+          <a:blip r:embed="rId4"/>
+          <a:stretch>
+            <a:fillRect/>
+          </a:stretch>
+        </p:blipFill>
+        <p:spPr>
+          <a:xfrm>
+            <a:off x="5375463" y="3158867"/>
+            <a:ext cx="5630893" cy="3107886"/>
+          </a:xfrm>
+          <a:prstGeom prst="rect">
+            <a:avLst/>
+          </a:prstGeom>
+        </p:spPr>
+      </p:pic>
+    </p:spTree>
+    <p:extLst>
+      <p:ext uri="{BB962C8B-B14F-4D97-AF65-F5344CB8AC3E}">
+        <p14:creationId xmlns:p14="http://schemas.microsoft.com/office/powerpoint/2010/main" val="2125053196"/>
+      </p:ext>
+    </p:extLst>
+  </p:cSld>
+  <p:clrMapOvr>
+    <a:masterClrMapping/>
+  </p:clrMapOvr>
+</p:sld>
+</file>
+
+<file path=ppt/slides/slide4.xml><?xml version="1.0" encoding="utf-8"?>
+<p:sld xmlns:a="http://schemas.openxmlformats.org/drawingml/2006/main" xmlns:r="http://schemas.openxmlformats.org/officeDocument/2006/relationships" xmlns:p="http://schemas.openxmlformats.org/presentationml/2006/main">
+  <p:cSld>
+    <p:spTree>
+      <p:nvGrpSpPr>
+        <p:cNvPr id="1" name=""/>
+        <p:cNvGrpSpPr/>
+        <p:nvPr/>
+      </p:nvGrpSpPr>
+      <p:grpSpPr>
+        <a:xfrm>
+          <a:off x="0" y="0"/>
+          <a:ext cx="0" cy="0"/>
+          <a:chOff x="0" y="0"/>
+          <a:chExt cx="0" cy="0"/>
+        </a:xfrm>
+      </p:grpSpPr>
+      <p:pic>
+        <p:nvPicPr>
+          <p:cNvPr id="4" name="図 3">
+            <a:extLst>
+              <a:ext uri="{FF2B5EF4-FFF2-40B4-BE49-F238E27FC236}">
+                <a16:creationId xmlns:a16="http://schemas.microsoft.com/office/drawing/2014/main" id="{2469C2EC-FE0E-D216-761E-B760D5630D16}"/>
+              </a:ext>
+            </a:extLst>
+          </p:cNvPr>
+          <p:cNvPicPr>
+            <a:picLocks noChangeAspect="1"/>
+          </p:cNvPicPr>
+          <p:nvPr/>
+        </p:nvPicPr>
+        <p:blipFill>
+          <a:blip r:embed="rId2"/>
+          <a:stretch>
+            <a:fillRect/>
+          </a:stretch>
+        </p:blipFill>
+        <p:spPr>
+          <a:xfrm>
+            <a:off x="261393" y="1123140"/>
+            <a:ext cx="6221787" cy="4096740"/>
+          </a:xfrm>
+          <a:prstGeom prst="rect">
+            <a:avLst/>
+          </a:prstGeom>
+        </p:spPr>
+      </p:pic>
+      <p:pic>
+        <p:nvPicPr>
+          <p:cNvPr id="5" name="図 4">
+            <a:extLst>
+              <a:ext uri="{FF2B5EF4-FFF2-40B4-BE49-F238E27FC236}">
+                <a16:creationId xmlns:a16="http://schemas.microsoft.com/office/drawing/2014/main" id="{78E306F8-B9AC-056E-0938-AC165F231A44}"/>
+              </a:ext>
+            </a:extLst>
+          </p:cNvPr>
+          <p:cNvPicPr>
+            <a:picLocks noChangeAspect="1"/>
+          </p:cNvPicPr>
+          <p:nvPr/>
+        </p:nvPicPr>
+        <p:blipFill>
+          <a:blip r:embed="rId3"/>
+          <a:stretch>
+            <a:fillRect/>
+          </a:stretch>
+        </p:blipFill>
+        <p:spPr>
+          <a:xfrm>
+            <a:off x="6784461" y="1123140"/>
+            <a:ext cx="4824551" cy="4867756"/>
+          </a:xfrm>
+          <a:prstGeom prst="rect">
+            <a:avLst/>
+          </a:prstGeom>
+        </p:spPr>
+      </p:pic>
+    </p:spTree>
+    <p:extLst>
+      <p:ext uri="{BB962C8B-B14F-4D97-AF65-F5344CB8AC3E}">
+        <p14:creationId xmlns:p14="http://schemas.microsoft.com/office/powerpoint/2010/main" val="1402127738"/>
       </p:ext>
     </p:extLst>
   </p:cSld>
